--- a/Events/2025/SQL Sat - Jacksonville/Intro to Powershell/Intro to Powershell.pptx
+++ b/Events/2025/SQL Sat - Jacksonville/Intro to Powershell/Intro to Powershell.pptx
@@ -31289,12 +31289,14 @@
         </p:nvSpPr>
         <p:spPr>
           <a:xfrm>
-            <a:off x="381116" y="180975"/>
-            <a:ext cx="11441585" cy="1325563"/>
+            <a:off x="381116" y="180976"/>
+            <a:ext cx="11441585" cy="572558"/>
           </a:xfrm>
         </p:spPr>
         <p:txBody>
-          <a:bodyPr/>
+          <a:bodyPr>
+            <a:normAutofit fontScale="90000"/>
+          </a:bodyPr>
           <a:lstStyle/>
           <a:p>
             <a:r>
@@ -31320,8 +31322,8 @@
         </p:nvSpPr>
         <p:spPr>
           <a:xfrm>
-            <a:off x="369299" y="659538"/>
-            <a:ext cx="11429516" cy="2120876"/>
+            <a:off x="153913" y="662934"/>
+            <a:ext cx="11644901" cy="1829662"/>
           </a:xfrm>
           <a:prstGeom prst="rect">
             <a:avLst/>
@@ -31469,21 +31471,42 @@
           <a:p>
             <a:pPr algn="ctr"/>
             <a:r>
-              <a:rPr lang="en-US" sz="3810" dirty="0"/>
+              <a:rPr lang="en-US" sz="3810" dirty="0">
+                <a:solidFill>
+                  <a:schemeClr val="tx1">
+                    <a:lumMod val="50000"/>
+                    <a:lumOff val="50000"/>
+                  </a:schemeClr>
+                </a:solidFill>
+              </a:rPr>
               <a:t>Thank the 501 Legion for Supporting Our Event!</a:t>
             </a:r>
           </a:p>
           <a:p>
             <a:pPr algn="ctr"/>
             <a:r>
-              <a:rPr lang="en-US" sz="3810" dirty="0"/>
+              <a:rPr lang="en-US" sz="3810" dirty="0">
+                <a:solidFill>
+                  <a:schemeClr val="tx1">
+                    <a:lumMod val="50000"/>
+                    <a:lumOff val="50000"/>
+                  </a:schemeClr>
+                </a:solidFill>
+              </a:rPr>
               <a:t>JSSUG Will Match Donations up to $500</a:t>
             </a:r>
           </a:p>
           <a:p>
             <a:pPr algn="ctr"/>
             <a:r>
-              <a:rPr lang="en-US" sz="3810" dirty="0"/>
+              <a:rPr lang="en-US" sz="3810" dirty="0">
+                <a:solidFill>
+                  <a:schemeClr val="tx1">
+                    <a:lumMod val="50000"/>
+                    <a:lumOff val="50000"/>
+                  </a:schemeClr>
+                </a:solidFill>
+              </a:rPr>
               <a:t>Donation Bucket on Registration Table</a:t>
             </a:r>
           </a:p>
